--- a/spring11/slides11/slides12w.pptx
+++ b/spring11/slides11/slides12w.pptx
@@ -5,10 +5,10 @@
     <p:sldMasterId id="2147483648" r:id="rId1"/>
   </p:sldMasterIdLst>
   <p:notesMasterIdLst>
-    <p:notesMasterId r:id="rId45"/>
+    <p:notesMasterId r:id="rId46"/>
   </p:notesMasterIdLst>
   <p:handoutMasterIdLst>
-    <p:handoutMasterId r:id="rId46"/>
+    <p:handoutMasterId r:id="rId47"/>
   </p:handoutMasterIdLst>
   <p:sldIdLst>
     <p:sldId id="257" r:id="rId2"/>
@@ -41,44 +41,45 @@
     <p:sldId id="277" r:id="rId29"/>
     <p:sldId id="294" r:id="rId30"/>
     <p:sldId id="369" r:id="rId31"/>
-    <p:sldId id="370" r:id="rId32"/>
-    <p:sldId id="296" r:id="rId33"/>
-    <p:sldId id="297" r:id="rId34"/>
-    <p:sldId id="301" r:id="rId35"/>
-    <p:sldId id="278" r:id="rId36"/>
-    <p:sldId id="300" r:id="rId37"/>
-    <p:sldId id="291" r:id="rId38"/>
-    <p:sldId id="279" r:id="rId39"/>
-    <p:sldId id="359" r:id="rId40"/>
-    <p:sldId id="371" r:id="rId41"/>
-    <p:sldId id="372" r:id="rId42"/>
-    <p:sldId id="373" r:id="rId43"/>
-    <p:sldId id="285" r:id="rId44"/>
+    <p:sldId id="374" r:id="rId32"/>
+    <p:sldId id="370" r:id="rId33"/>
+    <p:sldId id="296" r:id="rId34"/>
+    <p:sldId id="297" r:id="rId35"/>
+    <p:sldId id="301" r:id="rId36"/>
+    <p:sldId id="278" r:id="rId37"/>
+    <p:sldId id="300" r:id="rId38"/>
+    <p:sldId id="291" r:id="rId39"/>
+    <p:sldId id="279" r:id="rId40"/>
+    <p:sldId id="359" r:id="rId41"/>
+    <p:sldId id="371" r:id="rId42"/>
+    <p:sldId id="372" r:id="rId43"/>
+    <p:sldId id="373" r:id="rId44"/>
+    <p:sldId id="285" r:id="rId45"/>
   </p:sldIdLst>
   <p:sldSz cx="9144000" cy="6858000" type="screen4x3"/>
   <p:notesSz cx="7315200" cy="9601200"/>
   <p:embeddedFontLst>
     <p:embeddedFont>
       <p:font typeface="Comic Sans MS"/>
-      <p:regular r:id="rId47"/>
-      <p:bold r:id="rId48"/>
+      <p:regular r:id="rId48"/>
+      <p:bold r:id="rId49"/>
     </p:embeddedFont>
     <p:embeddedFont>
       <p:font typeface="Euclid Symbol" charset="2"/>
-      <p:regular r:id="rId49"/>
-      <p:bold r:id="rId50"/>
-      <p:italic r:id="rId51"/>
-      <p:boldItalic r:id="rId52"/>
+      <p:regular r:id="rId50"/>
+      <p:bold r:id="rId51"/>
+      <p:italic r:id="rId52"/>
+      <p:boldItalic r:id="rId53"/>
     </p:embeddedFont>
     <p:embeddedFont>
       <p:font typeface="Euclid Math One" charset="2"/>
-      <p:regular r:id="rId53"/>
-      <p:bold r:id="rId54"/>
+      <p:regular r:id="rId54"/>
+      <p:bold r:id="rId55"/>
     </p:embeddedFont>
     <p:embeddedFont>
       <p:font typeface="Euclid Extra" charset="2"/>
-      <p:regular r:id="rId55"/>
-      <p:bold r:id="rId56"/>
+      <p:regular r:id="rId56"/>
+      <p:bold r:id="rId57"/>
     </p:embeddedFont>
   </p:embeddedFontLst>
   <p:defaultTextStyle>
@@ -3555,7 +3556,7 @@
       </p:grpSpPr>
       <p:sp>
         <p:nvSpPr>
-          <p:cNvPr id="68610" name="Rectangle 7"/>
+          <p:cNvPr id="73730" name="Rectangle 7"/>
           <p:cNvSpPr>
             <a:spLocks noGrp="1" noChangeArrowheads="1"/>
           </p:cNvSpPr>
@@ -3570,7 +3571,7 @@
           <a:bodyPr/>
           <a:lstStyle/>
           <a:p>
-            <a:fld id="{5EB02511-0D7A-4E7C-93BD-BE9165986261}" type="slidenum">
+            <a:fld id="{4888E725-8B12-40CE-8DAE-87CF7A00F3E7}" type="slidenum">
               <a:rPr lang="en-US" smtClean="0"/>
               <a:pPr/>
               <a:t>35</a:t>
@@ -3581,7 +3582,7 @@
       </p:sp>
       <p:sp>
         <p:nvSpPr>
-          <p:cNvPr id="68611" name="Rectangle 2"/>
+          <p:cNvPr id="73731" name="Rectangle 2"/>
           <p:cNvSpPr>
             <a:spLocks noGrp="1" noRot="1" noChangeAspect="1" noChangeArrowheads="1" noTextEdit="1"/>
           </p:cNvSpPr>
@@ -3599,7 +3600,7 @@
       </p:sp>
       <p:sp>
         <p:nvSpPr>
-          <p:cNvPr id="68612" name="Rectangle 3"/>
+          <p:cNvPr id="73732" name="Rectangle 3"/>
           <p:cNvSpPr>
             <a:spLocks noGrp="1" noChangeArrowheads="1"/>
           </p:cNvSpPr>
@@ -3739,7 +3740,7 @@
       </p:grpSpPr>
       <p:sp>
         <p:nvSpPr>
-          <p:cNvPr id="70658" name="Rectangle 7"/>
+          <p:cNvPr id="68610" name="Rectangle 7"/>
           <p:cNvSpPr>
             <a:spLocks noGrp="1" noChangeArrowheads="1"/>
           </p:cNvSpPr>
@@ -3754,7 +3755,7 @@
           <a:bodyPr/>
           <a:lstStyle/>
           <a:p>
-            <a:fld id="{909E1EC8-93AE-4827-A095-28410727E457}" type="slidenum">
+            <a:fld id="{5EB02511-0D7A-4E7C-93BD-BE9165986261}" type="slidenum">
               <a:rPr lang="en-US" smtClean="0"/>
               <a:pPr/>
               <a:t>37</a:t>
@@ -3765,7 +3766,7 @@
       </p:sp>
       <p:sp>
         <p:nvSpPr>
-          <p:cNvPr id="70659" name="Rectangle 2"/>
+          <p:cNvPr id="68611" name="Rectangle 2"/>
           <p:cNvSpPr>
             <a:spLocks noGrp="1" noRot="1" noChangeAspect="1" noChangeArrowheads="1" noTextEdit="1"/>
           </p:cNvSpPr>
@@ -3783,7 +3784,7 @@
       </p:sp>
       <p:sp>
         <p:nvSpPr>
-          <p:cNvPr id="70660" name="Rectangle 3"/>
+          <p:cNvPr id="68612" name="Rectangle 3"/>
           <p:cNvSpPr>
             <a:spLocks noGrp="1" noChangeArrowheads="1"/>
           </p:cNvSpPr>
@@ -3831,7 +3832,7 @@
       </p:grpSpPr>
       <p:sp>
         <p:nvSpPr>
-          <p:cNvPr id="69634" name="Rectangle 7"/>
+          <p:cNvPr id="70658" name="Rectangle 7"/>
           <p:cNvSpPr>
             <a:spLocks noGrp="1" noChangeArrowheads="1"/>
           </p:cNvSpPr>
@@ -3846,7 +3847,7 @@
           <a:bodyPr/>
           <a:lstStyle/>
           <a:p>
-            <a:fld id="{1FDF02B9-50A4-44CF-82CB-DCD8E445C1AE}" type="slidenum">
+            <a:fld id="{909E1EC8-93AE-4827-A095-28410727E457}" type="slidenum">
               <a:rPr lang="en-US" smtClean="0"/>
               <a:pPr/>
               <a:t>38</a:t>
@@ -3857,7 +3858,7 @@
       </p:sp>
       <p:sp>
         <p:nvSpPr>
-          <p:cNvPr id="69635" name="Rectangle 2"/>
+          <p:cNvPr id="70659" name="Rectangle 2"/>
           <p:cNvSpPr>
             <a:spLocks noGrp="1" noRot="1" noChangeAspect="1" noChangeArrowheads="1" noTextEdit="1"/>
           </p:cNvSpPr>
@@ -3875,7 +3876,7 @@
       </p:sp>
       <p:sp>
         <p:nvSpPr>
-          <p:cNvPr id="69636" name="Rectangle 3"/>
+          <p:cNvPr id="70660" name="Rectangle 3"/>
           <p:cNvSpPr>
             <a:spLocks noGrp="1" noChangeArrowheads="1"/>
           </p:cNvSpPr>
@@ -3923,63 +3924,68 @@
       </p:grpSpPr>
       <p:sp>
         <p:nvSpPr>
-          <p:cNvPr id="2" name="Slide Image Placeholder 1"/>
+          <p:cNvPr id="69634" name="Rectangle 7"/>
           <p:cNvSpPr>
-            <a:spLocks noGrp="1" noRot="1" noChangeAspect="1"/>
+            <a:spLocks noGrp="1" noChangeArrowheads="1"/>
+          </p:cNvSpPr>
+          <p:nvPr>
+            <p:ph type="sldNum" sz="quarter" idx="5"/>
+          </p:nvPr>
+        </p:nvSpPr>
+        <p:spPr>
+          <a:noFill/>
+        </p:spPr>
+        <p:txBody>
+          <a:bodyPr/>
+          <a:lstStyle/>
+          <a:p>
+            <a:fld id="{1FDF02B9-50A4-44CF-82CB-DCD8E445C1AE}" type="slidenum">
+              <a:rPr lang="en-US" smtClean="0"/>
+              <a:pPr/>
+              <a:t>39</a:t>
+            </a:fld>
+            <a:endParaRPr lang="en-US" smtClean="0"/>
+          </a:p>
+        </p:txBody>
+      </p:sp>
+      <p:sp>
+        <p:nvSpPr>
+          <p:cNvPr id="69635" name="Rectangle 2"/>
+          <p:cNvSpPr>
+            <a:spLocks noGrp="1" noRot="1" noChangeAspect="1" noChangeArrowheads="1" noTextEdit="1"/>
           </p:cNvSpPr>
           <p:nvPr>
             <p:ph type="sldImg"/>
           </p:nvPr>
         </p:nvSpPr>
-        <p:spPr/>
-      </p:sp>
-      <p:sp>
-        <p:nvSpPr>
-          <p:cNvPr id="3" name="Notes Placeholder 2"/>
+        <p:spPr>
+          <a:xfrm>
+            <a:off x="1258888" y="720725"/>
+            <a:ext cx="4800600" cy="3600450"/>
+          </a:xfrm>
+          <a:ln/>
+        </p:spPr>
+      </p:sp>
+      <p:sp>
+        <p:nvSpPr>
+          <p:cNvPr id="69636" name="Rectangle 3"/>
           <p:cNvSpPr>
-            <a:spLocks noGrp="1"/>
+            <a:spLocks noGrp="1" noChangeArrowheads="1"/>
           </p:cNvSpPr>
           <p:nvPr>
             <p:ph type="body" idx="1"/>
           </p:nvPr>
         </p:nvSpPr>
-        <p:spPr/>
-        <p:txBody>
-          <a:bodyPr>
-            <a:normAutofit/>
-          </a:bodyPr>
-          <a:lstStyle/>
-          <a:p>
-            <a:endParaRPr lang="en-US"/>
-          </a:p>
-        </p:txBody>
-      </p:sp>
-      <p:sp>
-        <p:nvSpPr>
-          <p:cNvPr id="4" name="Slide Number Placeholder 3"/>
-          <p:cNvSpPr>
-            <a:spLocks noGrp="1"/>
-          </p:cNvSpPr>
-          <p:nvPr>
-            <p:ph type="sldNum" sz="quarter" idx="10"/>
-          </p:nvPr>
-        </p:nvSpPr>
-        <p:spPr/>
+        <p:spPr>
+          <a:noFill/>
+          <a:ln/>
+        </p:spPr>
         <p:txBody>
           <a:bodyPr/>
           <a:lstStyle/>
           <a:p>
-            <a:pPr>
-              <a:defRPr/>
-            </a:pPr>
-            <a:fld id="{AE36780C-D2CC-4707-BDEA-F7C72E5CF167}" type="slidenum">
-              <a:rPr lang="en-US" smtClean="0"/>
-              <a:pPr>
-                <a:defRPr/>
-              </a:pPr>
-              <a:t>39</a:t>
-            </a:fld>
-            <a:endParaRPr lang="en-US"/>
+            <a:pPr eaLnBrk="1" hangingPunct="1"/>
+            <a:endParaRPr lang="en-US" smtClean="0"/>
           </a:p>
         </p:txBody>
       </p:sp>
@@ -4363,6 +4369,93 @@
       </p:grpSpPr>
       <p:sp>
         <p:nvSpPr>
+          <p:cNvPr id="2" name="Slide Image Placeholder 1"/>
+          <p:cNvSpPr>
+            <a:spLocks noGrp="1" noRot="1" noChangeAspect="1"/>
+          </p:cNvSpPr>
+          <p:nvPr>
+            <p:ph type="sldImg"/>
+          </p:nvPr>
+        </p:nvSpPr>
+        <p:spPr/>
+      </p:sp>
+      <p:sp>
+        <p:nvSpPr>
+          <p:cNvPr id="3" name="Notes Placeholder 2"/>
+          <p:cNvSpPr>
+            <a:spLocks noGrp="1"/>
+          </p:cNvSpPr>
+          <p:nvPr>
+            <p:ph type="body" idx="1"/>
+          </p:nvPr>
+        </p:nvSpPr>
+        <p:spPr/>
+        <p:txBody>
+          <a:bodyPr>
+            <a:normAutofit/>
+          </a:bodyPr>
+          <a:lstStyle/>
+          <a:p>
+            <a:endParaRPr lang="en-US"/>
+          </a:p>
+        </p:txBody>
+      </p:sp>
+      <p:sp>
+        <p:nvSpPr>
+          <p:cNvPr id="4" name="Slide Number Placeholder 3"/>
+          <p:cNvSpPr>
+            <a:spLocks noGrp="1"/>
+          </p:cNvSpPr>
+          <p:nvPr>
+            <p:ph type="sldNum" sz="quarter" idx="10"/>
+          </p:nvPr>
+        </p:nvSpPr>
+        <p:spPr/>
+        <p:txBody>
+          <a:bodyPr/>
+          <a:lstStyle/>
+          <a:p>
+            <a:pPr>
+              <a:defRPr/>
+            </a:pPr>
+            <a:fld id="{AE36780C-D2CC-4707-BDEA-F7C72E5CF167}" type="slidenum">
+              <a:rPr lang="en-US" smtClean="0"/>
+              <a:pPr>
+                <a:defRPr/>
+              </a:pPr>
+              <a:t>43</a:t>
+            </a:fld>
+            <a:endParaRPr lang="en-US"/>
+          </a:p>
+        </p:txBody>
+      </p:sp>
+    </p:spTree>
+  </p:cSld>
+  <p:clrMapOvr>
+    <a:masterClrMapping/>
+  </p:clrMapOvr>
+</p:notes>
+</file>
+
+<file path=ppt/notesSlides/notesSlide44.xml><?xml version="1.0" encoding="utf-8"?>
+<p:notes xmlns:a="http://schemas.openxmlformats.org/drawingml/2006/main" xmlns:r="http://schemas.openxmlformats.org/officeDocument/2006/relationships" xmlns:mc="http://schemas.openxmlformats.org/markup-compatibility/2006" xmlns:mv="urn:schemas-microsoft-com:mac:vml" xmlns:p="http://schemas.openxmlformats.org/presentationml/2006/main" mc:Ignorable="mv" mc:PreserveAttributes="mv:*">
+  <p:cSld>
+    <p:spTree>
+      <p:nvGrpSpPr>
+        <p:cNvPr id="1" name=""/>
+        <p:cNvGrpSpPr/>
+        <p:nvPr/>
+      </p:nvGrpSpPr>
+      <p:grpSpPr>
+        <a:xfrm>
+          <a:off x="0" y="0"/>
+          <a:ext cx="0" cy="0"/>
+          <a:chOff x="0" y="0"/>
+          <a:chExt cx="0" cy="0"/>
+        </a:xfrm>
+      </p:grpSpPr>
+      <p:sp>
+        <p:nvSpPr>
           <p:cNvPr id="75778" name="Rectangle 7"/>
           <p:cNvSpPr>
             <a:spLocks noGrp="1" noChangeArrowheads="1"/>
@@ -4381,7 +4474,7 @@
             <a:fld id="{529753CE-C8AA-4191-95F4-567722EC1BFB}" type="slidenum">
               <a:rPr lang="en-US" smtClean="0"/>
               <a:pPr/>
-              <a:t>43</a:t>
+              <a:t>44</a:t>
             </a:fld>
             <a:endParaRPr lang="en-US" smtClean="0"/>
           </a:p>
@@ -18214,26 +18307,6 @@
       </p:sp>
       <p:graphicFrame>
         <p:nvGraphicFramePr>
-          <p:cNvPr id="8" name="Object 7"/>
-          <p:cNvGraphicFramePr>
-            <a:graphicFrameLocks noChangeAspect="1"/>
-          </p:cNvGraphicFramePr>
-          <p:nvPr/>
-        </p:nvGraphicFramePr>
-        <p:xfrm>
-          <a:off x="4368797" y="3462695"/>
-          <a:ext cx="2538046" cy="2294003"/>
-        </p:xfrm>
-        <a:graphic>
-          <a:graphicData uri="http://schemas.openxmlformats.org/presentationml/2006/ole">
-            <p:oleObj spid="_x0000_s648194" name="Equation" r:id="rId4" imgW="660400" imgH="596900" progId="Equation.DSMT4">
-              <p:embed/>
-            </p:oleObj>
-          </a:graphicData>
-        </a:graphic>
-      </p:graphicFrame>
-      <p:graphicFrame>
-        <p:nvGraphicFramePr>
           <p:cNvPr id="7" name="Object 6"/>
           <p:cNvGraphicFramePr>
             <a:graphicFrameLocks noChangeAspect="1"/>
@@ -18246,7 +18319,7 @@
         </p:xfrm>
         <a:graphic>
           <a:graphicData uri="http://schemas.openxmlformats.org/presentationml/2006/ole">
-            <p:oleObj spid="_x0000_s648195" name="Equation" r:id="rId5" imgW="1790700" imgH="469900" progId="Equation.DSMT4">
+            <p:oleObj spid="_x0000_s648195" name="Equation" r:id="rId4" imgW="1790700" imgH="469900" progId="Equation.DSMT4">
               <p:embed/>
             </p:oleObj>
           </a:graphicData>
@@ -18307,89 +18380,9 @@
                                     </p:set>
                                     <p:animEffect transition="in" filter="fade">
                                       <p:cBhvr>
-                                        <p:cTn id="7" dur="2000"/>
+                                        <p:cTn id="7" dur="1000"/>
                                         <p:tgtEl>
                                           <p:spTgt spid="7"/>
-                                        </p:tgtEl>
-                                      </p:cBhvr>
-                                    </p:animEffect>
-                                  </p:childTnLst>
-                                </p:cTn>
-                              </p:par>
-                            </p:childTnLst>
-                          </p:cTn>
-                        </p:par>
-                      </p:childTnLst>
-                    </p:cTn>
-                  </p:par>
-                  <p:par>
-                    <p:cTn id="8" fill="hold">
-                      <p:stCondLst>
-                        <p:cond delay="indefinite"/>
-                      </p:stCondLst>
-                      <p:childTnLst>
-                        <p:par>
-                          <p:cTn id="9" fill="hold">
-                            <p:stCondLst>
-                              <p:cond delay="0"/>
-                            </p:stCondLst>
-                            <p:childTnLst>
-                              <p:par>
-                                <p:cTn id="10" presetID="1" presetClass="exit" presetSubtype="0" fill="hold" nodeType="clickEffect">
-                                  <p:stCondLst>
-                                    <p:cond delay="0"/>
-                                  </p:stCondLst>
-                                  <p:childTnLst>
-                                    <p:set>
-                                      <p:cBhvr>
-                                        <p:cTn id="11" dur="1" fill="hold">
-                                          <p:stCondLst>
-                                            <p:cond delay="0"/>
-                                          </p:stCondLst>
-                                        </p:cTn>
-                                        <p:tgtEl>
-                                          <p:spTgt spid="7"/>
-                                        </p:tgtEl>
-                                        <p:attrNameLst>
-                                          <p:attrName>style.visibility</p:attrName>
-                                        </p:attrNameLst>
-                                      </p:cBhvr>
-                                      <p:to>
-                                        <p:strVal val="hidden"/>
-                                      </p:to>
-                                    </p:set>
-                                  </p:childTnLst>
-                                </p:cTn>
-                              </p:par>
-                              <p:par>
-                                <p:cTn id="12" presetID="22" presetClass="entr" presetSubtype="1" fill="hold" nodeType="withEffect">
-                                  <p:stCondLst>
-                                    <p:cond delay="0"/>
-                                  </p:stCondLst>
-                                  <p:childTnLst>
-                                    <p:set>
-                                      <p:cBhvr>
-                                        <p:cTn id="13" dur="1" fill="hold">
-                                          <p:stCondLst>
-                                            <p:cond delay="0"/>
-                                          </p:stCondLst>
-                                        </p:cTn>
-                                        <p:tgtEl>
-                                          <p:spTgt spid="8"/>
-                                        </p:tgtEl>
-                                        <p:attrNameLst>
-                                          <p:attrName>style.visibility</p:attrName>
-                                        </p:attrNameLst>
-                                      </p:cBhvr>
-                                      <p:to>
-                                        <p:strVal val="visible"/>
-                                      </p:to>
-                                    </p:set>
-                                    <p:animEffect transition="in" filter="wipe(up)">
-                                      <p:cBhvr>
-                                        <p:cTn id="14" dur="500"/>
-                                        <p:tgtEl>
-                                          <p:spTgt spid="8"/>
                                         </p:tgtEl>
                                       </p:cBhvr>
                                     </p:animEffect>
@@ -18428,6 +18421,362 @@
 </file>
 
 <file path=ppt/slides/slide31.xml><?xml version="1.0" encoding="utf-8"?>
+<p:sld xmlns:a="http://schemas.openxmlformats.org/drawingml/2006/main" xmlns:r="http://schemas.openxmlformats.org/officeDocument/2006/relationships" xmlns:mc="http://schemas.openxmlformats.org/markup-compatibility/2006" xmlns:mv="urn:schemas-microsoft-com:mac:vml" xmlns:p="http://schemas.openxmlformats.org/presentationml/2006/main" mc:Ignorable="mv" mc:PreserveAttributes="mv:*">
+  <p:cSld>
+    <p:spTree>
+      <p:nvGrpSpPr>
+        <p:cNvPr id="1" name=""/>
+        <p:cNvGrpSpPr/>
+        <p:nvPr/>
+      </p:nvGrpSpPr>
+      <p:grpSpPr>
+        <a:xfrm>
+          <a:off x="0" y="0"/>
+          <a:ext cx="0" cy="0"/>
+          <a:chOff x="0" y="0"/>
+          <a:chExt cx="0" cy="0"/>
+        </a:xfrm>
+      </p:grpSpPr>
+      <p:sp>
+        <p:nvSpPr>
+          <p:cNvPr id="6" name="Slide Number Placeholder 3"/>
+          <p:cNvSpPr>
+            <a:spLocks noGrp="1"/>
+          </p:cNvSpPr>
+          <p:nvPr>
+            <p:ph type="sldNum" sz="quarter" idx="11"/>
+          </p:nvPr>
+        </p:nvSpPr>
+        <p:spPr/>
+        <p:txBody>
+          <a:bodyPr/>
+          <a:lstStyle/>
+          <a:p>
+            <a:pPr>
+              <a:defRPr/>
+            </a:pPr>
+            <a:r>
+              <a:rPr lang="en-US" dirty="0" err="1"/>
+              <a:t>lec</a:t>
+            </a:r>
+            <a:r>
+              <a:rPr lang="en-US" dirty="0" smtClean="0"/>
+              <a:t> 12W.</a:t>
+            </a:r>
+            <a:fld id="{DEDCF3E0-95E5-4B40-9A75-5FDE935C9264}" type="slidenum">
+              <a:rPr lang="en-US" smtClean="0"/>
+              <a:pPr>
+                <a:defRPr/>
+              </a:pPr>
+              <a:t>31</a:t>
+            </a:fld>
+            <a:endParaRPr lang="en-US" dirty="0"/>
+          </a:p>
+        </p:txBody>
+      </p:sp>
+      <p:sp>
+        <p:nvSpPr>
+          <p:cNvPr id="41987" name="Rectangle 2"/>
+          <p:cNvSpPr>
+            <a:spLocks noGrp="1" noChangeArrowheads="1"/>
+          </p:cNvSpPr>
+          <p:nvPr>
+            <p:ph type="title" idx="4294967295"/>
+          </p:nvPr>
+        </p:nvSpPr>
+        <p:spPr/>
+        <p:txBody>
+          <a:bodyPr/>
+          <a:lstStyle/>
+          <a:p>
+            <a:pPr eaLnBrk="1" hangingPunct="1"/>
+            <a:r>
+              <a:rPr lang="en-US" dirty="0" smtClean="0"/>
+              <a:t>Binomial Random Variable</a:t>
+            </a:r>
+          </a:p>
+        </p:txBody>
+      </p:sp>
+      <p:sp>
+        <p:nvSpPr>
+          <p:cNvPr id="157699" name="Rectangle 3"/>
+          <p:cNvSpPr>
+            <a:spLocks noGrp="1" noChangeArrowheads="1"/>
+          </p:cNvSpPr>
+          <p:nvPr>
+            <p:ph idx="4294967295"/>
+          </p:nvPr>
+        </p:nvSpPr>
+        <p:spPr>
+          <a:xfrm>
+            <a:off x="137588" y="984253"/>
+            <a:ext cx="8889181" cy="5609978"/>
+          </a:xfrm>
+        </p:spPr>
+        <p:txBody>
+          <a:bodyPr/>
+          <a:lstStyle/>
+          <a:p>
+            <a:pPr eaLnBrk="1" hangingPunct="1"/>
+            <a:r>
+              <a:rPr lang="en-US" sz="3600" dirty="0" err="1" smtClean="0">
+                <a:solidFill>
+                  <a:srgbClr val="3333FF"/>
+                </a:solidFill>
+              </a:rPr>
+              <a:t>B</a:t>
+            </a:r>
+            <a:r>
+              <a:rPr lang="en-US" sz="3600" baseline="-25000" dirty="0" err="1" smtClean="0">
+                <a:solidFill>
+                  <a:srgbClr val="3333FF"/>
+                </a:solidFill>
+              </a:rPr>
+              <a:t>n,p</a:t>
+            </a:r>
+            <a:r>
+              <a:rPr lang="en-US" sz="3600" dirty="0" smtClean="0"/>
+              <a:t>::= # heads in </a:t>
+            </a:r>
+            <a:r>
+              <a:rPr lang="en-US" sz="3600" dirty="0" err="1" smtClean="0">
+                <a:solidFill>
+                  <a:srgbClr val="3333FF"/>
+                </a:solidFill>
+              </a:rPr>
+              <a:t>n</a:t>
+            </a:r>
+            <a:r>
+              <a:rPr lang="en-US" sz="3600" dirty="0" smtClean="0"/>
+              <a:t> </a:t>
+            </a:r>
+            <a:r>
+              <a:rPr lang="en-US" sz="3600" dirty="0" smtClean="0">
+                <a:solidFill>
+                  <a:srgbClr val="FF00FF"/>
+                </a:solidFill>
+              </a:rPr>
+              <a:t>mutually</a:t>
+            </a:r>
+            <a:r>
+              <a:rPr lang="en-US" sz="3600" dirty="0" smtClean="0"/>
+              <a:t> </a:t>
+            </a:r>
+            <a:r>
+              <a:rPr lang="en-US" sz="3600" dirty="0" err="1" smtClean="0"/>
+              <a:t>indep</a:t>
+            </a:r>
+            <a:r>
+              <a:rPr lang="en-US" sz="3600" dirty="0" smtClean="0"/>
+              <a:t> flips.</a:t>
+            </a:r>
+            <a:endParaRPr lang="en-US" sz="3600" baseline="-25000" dirty="0" smtClean="0">
+              <a:solidFill>
+                <a:srgbClr val="3333FF"/>
+              </a:solidFill>
+            </a:endParaRPr>
+          </a:p>
+          <a:p>
+            <a:pPr eaLnBrk="1" hangingPunct="1"/>
+            <a:r>
+              <a:rPr lang="en-US" sz="3600" dirty="0" smtClean="0"/>
+              <a:t>Coin may be biased.  So 2 parameters</a:t>
+            </a:r>
+          </a:p>
+          <a:p>
+            <a:pPr algn="ctr" eaLnBrk="1" hangingPunct="1"/>
+            <a:r>
+              <a:rPr lang="en-US" sz="3600" dirty="0" err="1" smtClean="0">
+                <a:solidFill>
+                  <a:srgbClr val="3333FF"/>
+                </a:solidFill>
+              </a:rPr>
+              <a:t>n</a:t>
+            </a:r>
+            <a:r>
+              <a:rPr lang="en-US" sz="3600" dirty="0" smtClean="0"/>
+              <a:t> ::= # flips,    </a:t>
+            </a:r>
+            <a:r>
+              <a:rPr lang="en-US" sz="3600" dirty="0" err="1" smtClean="0">
+                <a:solidFill>
+                  <a:srgbClr val="3333FF"/>
+                </a:solidFill>
+              </a:rPr>
+              <a:t>p</a:t>
+            </a:r>
+            <a:r>
+              <a:rPr lang="en-US" sz="3600" dirty="0" smtClean="0"/>
+              <a:t> ::=  </a:t>
+            </a:r>
+            <a:r>
+              <a:rPr lang="en-US" sz="3600" dirty="0" err="1" smtClean="0"/>
+              <a:t>Pr{head</a:t>
+            </a:r>
+            <a:r>
+              <a:rPr lang="en-US" sz="3600" dirty="0" smtClean="0"/>
+              <a:t>}</a:t>
+            </a:r>
+          </a:p>
+          <a:p>
+            <a:pPr eaLnBrk="1" hangingPunct="1"/>
+            <a:r>
+              <a:rPr lang="en-US" sz="3600" dirty="0" smtClean="0">
+                <a:solidFill>
+                  <a:srgbClr val="3333FF"/>
+                </a:solidFill>
+              </a:rPr>
+              <a:t>C</a:t>
+            </a:r>
+            <a:r>
+              <a:rPr lang="en-US" sz="3600" dirty="0" smtClean="0"/>
+              <a:t> is binomial for 3 flips: </a:t>
+            </a:r>
+            <a:r>
+              <a:rPr lang="en-US" sz="3600" dirty="0" smtClean="0">
+                <a:solidFill>
+                  <a:srgbClr val="3333FF"/>
+                </a:solidFill>
+              </a:rPr>
+              <a:t>C </a:t>
+            </a:r>
+            <a:r>
+              <a:rPr lang="en-US" sz="3600" dirty="0" smtClean="0"/>
+              <a:t>is </a:t>
+            </a:r>
+            <a:r>
+              <a:rPr lang="en-US" sz="3600" dirty="0" smtClean="0">
+                <a:solidFill>
+                  <a:srgbClr val="3333FF"/>
+                </a:solidFill>
+              </a:rPr>
+              <a:t>B</a:t>
+            </a:r>
+            <a:r>
+              <a:rPr lang="en-US" sz="3600" baseline="-25000" dirty="0" smtClean="0">
+                <a:solidFill>
+                  <a:srgbClr val="3333FF"/>
+                </a:solidFill>
+              </a:rPr>
+              <a:t>3,1/2</a:t>
+            </a:r>
+            <a:endParaRPr lang="en-US" sz="3600" dirty="0" smtClean="0"/>
+          </a:p>
+          <a:p>
+            <a:pPr eaLnBrk="1" hangingPunct="1"/>
+            <a:r>
+              <a:rPr lang="en-US" dirty="0" smtClean="0"/>
+              <a:t>for </a:t>
+            </a:r>
+            <a:r>
+              <a:rPr lang="en-US" dirty="0" err="1" smtClean="0">
+                <a:solidFill>
+                  <a:srgbClr val="0000FF"/>
+                </a:solidFill>
+              </a:rPr>
+              <a:t>n</a:t>
+            </a:r>
+            <a:r>
+              <a:rPr lang="en-US" dirty="0" smtClean="0"/>
+              <a:t>=5, </a:t>
+            </a:r>
+            <a:r>
+              <a:rPr lang="en-US" dirty="0" err="1" smtClean="0">
+                <a:solidFill>
+                  <a:srgbClr val="0000FF"/>
+                </a:solidFill>
+              </a:rPr>
+              <a:t>p</a:t>
+            </a:r>
+            <a:r>
+              <a:rPr lang="en-US" dirty="0" smtClean="0"/>
+              <a:t>=2/3</a:t>
+            </a:r>
+          </a:p>
+          <a:p>
+            <a:pPr eaLnBrk="1" hangingPunct="1"/>
+            <a:r>
+              <a:rPr lang="en-US" dirty="0" smtClean="0">
+                <a:solidFill>
+                  <a:srgbClr val="0000FF"/>
+                </a:solidFill>
+              </a:rPr>
+              <a:t>     </a:t>
+            </a:r>
+            <a:r>
+              <a:rPr lang="en-US" dirty="0" err="1" smtClean="0">
+                <a:solidFill>
+                  <a:srgbClr val="0000FF"/>
+                </a:solidFill>
+              </a:rPr>
+              <a:t>Pr{HHTTH</a:t>
+            </a:r>
+            <a:r>
+              <a:rPr lang="en-US" dirty="0" smtClean="0">
+                <a:solidFill>
+                  <a:srgbClr val="0000FF"/>
+                </a:solidFill>
+              </a:rPr>
+              <a:t>}</a:t>
+            </a:r>
+            <a:r>
+              <a:rPr lang="en-US" dirty="0" smtClean="0"/>
+              <a:t> = </a:t>
+            </a:r>
+          </a:p>
+          <a:p>
+            <a:pPr eaLnBrk="1" hangingPunct="1"/>
+            <a:r>
+              <a:rPr lang="en-US" dirty="0" smtClean="0">
+                <a:solidFill>
+                  <a:srgbClr val="0000FF"/>
+                </a:solidFill>
+              </a:rPr>
+              <a:t>      </a:t>
+            </a:r>
+            <a:endParaRPr lang="en-US" dirty="0" smtClean="0"/>
+          </a:p>
+        </p:txBody>
+      </p:sp>
+      <p:graphicFrame>
+        <p:nvGraphicFramePr>
+          <p:cNvPr id="8" name="Object 7"/>
+          <p:cNvGraphicFramePr>
+            <a:graphicFrameLocks noChangeAspect="1"/>
+          </p:cNvGraphicFramePr>
+          <p:nvPr/>
+        </p:nvGraphicFramePr>
+        <p:xfrm>
+          <a:off x="4368797" y="3462695"/>
+          <a:ext cx="2538046" cy="2294003"/>
+        </p:xfrm>
+        <a:graphic>
+          <a:graphicData uri="http://schemas.openxmlformats.org/presentationml/2006/ole">
+            <p:oleObj spid="_x0000_s677890" name="Equation" r:id="rId4" imgW="660400" imgH="596900" progId="Equation.DSMT4">
+              <p:embed/>
+            </p:oleObj>
+          </a:graphicData>
+        </a:graphic>
+      </p:graphicFrame>
+    </p:spTree>
+  </p:cSld>
+  <p:clrMapOvr>
+    <a:masterClrMapping/>
+  </p:clrMapOvr>
+  <p:transition spd="slow">
+    <p:fade/>
+  </p:transition>
+  <p:timing>
+    <p:tnLst>
+      <p:par>
+        <p:cTn id="1" dur="indefinite" restart="never" nodeType="tmRoot"/>
+      </p:par>
+    </p:tnLst>
+  </p:timing>
+</p:sld>
+</file>
+
+<file path=ppt/slides/slide32.xml><?xml version="1.0" encoding="utf-8"?>
 <p:sld xmlns:a="http://schemas.openxmlformats.org/drawingml/2006/main" xmlns:r="http://schemas.openxmlformats.org/officeDocument/2006/relationships" xmlns:mc="http://schemas.openxmlformats.org/markup-compatibility/2006" xmlns:mv="urn:schemas-microsoft-com:mac:vml" xmlns:p="http://schemas.openxmlformats.org/presentationml/2006/main" mc:Ignorable="mv" mc:PreserveAttributes="mv:*" show="0">
   <p:cSld>
     <p:spTree>
@@ -18475,7 +18824,7 @@
               <a:pPr>
                 <a:defRPr/>
               </a:pPr>
-              <a:t>31</a:t>
+              <a:t>32</a:t>
             </a:fld>
             <a:endParaRPr lang="en-US" dirty="0"/>
           </a:p>
@@ -18960,7 +19309,7 @@
 </p:sld>
 </file>
 
-<file path=ppt/slides/slide32.xml><?xml version="1.0" encoding="utf-8"?>
+<file path=ppt/slides/slide33.xml><?xml version="1.0" encoding="utf-8"?>
 <p:sld xmlns:a="http://schemas.openxmlformats.org/drawingml/2006/main" xmlns:r="http://schemas.openxmlformats.org/officeDocument/2006/relationships" xmlns:mc="http://schemas.openxmlformats.org/markup-compatibility/2006" xmlns:mv="urn:schemas-microsoft-com:mac:vml" xmlns:p="http://schemas.openxmlformats.org/presentationml/2006/main" mc:Ignorable="mv" mc:PreserveAttributes="mv:*">
   <p:cSld>
     <p:spTree>
@@ -19008,7 +19357,7 @@
               <a:pPr>
                 <a:defRPr/>
               </a:pPr>
-              <a:t>32</a:t>
+              <a:t>33</a:t>
             </a:fld>
             <a:endParaRPr lang="en-US" dirty="0"/>
           </a:p>
@@ -19386,7 +19735,7 @@
 </p:sld>
 </file>
 
-<file path=ppt/slides/slide33.xml><?xml version="1.0" encoding="utf-8"?>
+<file path=ppt/slides/slide34.xml><?xml version="1.0" encoding="utf-8"?>
 <p:sld xmlns:a="http://schemas.openxmlformats.org/drawingml/2006/main" xmlns:r="http://schemas.openxmlformats.org/officeDocument/2006/relationships" xmlns:mc="http://schemas.openxmlformats.org/markup-compatibility/2006" xmlns:mv="urn:schemas-microsoft-com:mac:vml" xmlns:p="http://schemas.openxmlformats.org/presentationml/2006/main" mc:Ignorable="mv" mc:PreserveAttributes="mv:*">
   <p:cSld>
     <p:spTree>
@@ -19434,7 +19783,7 @@
               <a:pPr>
                 <a:defRPr/>
               </a:pPr>
-              <a:t>33</a:t>
+              <a:t>34</a:t>
             </a:fld>
             <a:endParaRPr lang="en-US" dirty="0"/>
           </a:p>
@@ -19808,7 +20157,7 @@
 </p:sld>
 </file>
 
-<file path=ppt/slides/slide34.xml><?xml version="1.0" encoding="utf-8"?>
+<file path=ppt/slides/slide35.xml><?xml version="1.0" encoding="utf-8"?>
 <p:sld xmlns:a="http://schemas.openxmlformats.org/drawingml/2006/main" xmlns:r="http://schemas.openxmlformats.org/officeDocument/2006/relationships" xmlns:mc="http://schemas.openxmlformats.org/markup-compatibility/2006" xmlns:mv="urn:schemas-microsoft-com:mac:vml" xmlns:p="http://schemas.openxmlformats.org/presentationml/2006/main" mc:Ignorable="mv" mc:PreserveAttributes="mv:*">
   <p:cSld>
     <p:spTree>
@@ -19856,7 +20205,7 @@
               <a:pPr>
                 <a:defRPr/>
               </a:pPr>
-              <a:t>34</a:t>
+              <a:t>35</a:t>
             </a:fld>
             <a:endParaRPr lang="en-US" dirty="0"/>
           </a:p>
@@ -20078,7 +20427,7 @@
               </a:stretch>
             </p:blipFill>
           </mc:Choice>
-          <mc:Fallback xmlns:p="http://schemas.openxmlformats.org/presentationml/2006/main" xmlns:mv="urn:schemas-microsoft-com:mac:vml" xmlns:mc="http://schemas.openxmlformats.org/markup-compatibility/2006" xmlns:r="http://schemas.openxmlformats.org/officeDocument/2006/relationships" xmlns:a="http://schemas.openxmlformats.org/drawingml/2006/main" xmlns="" xmlns:ma="http://schemas.microsoft.com/office/mac/drawingml/2008/main">
+          <mc:Fallback xmlns:ma="http://schemas.microsoft.com/office/mac/drawingml/2008/main" xmlns="" xmlns:a="http://schemas.openxmlformats.org/drawingml/2006/main" xmlns:r="http://schemas.openxmlformats.org/officeDocument/2006/relationships" xmlns:mc="http://schemas.openxmlformats.org/markup-compatibility/2006" xmlns:mv="urn:schemas-microsoft-com:mac:vml" xmlns:p="http://schemas.openxmlformats.org/presentationml/2006/main">
             <p:blipFill>
               <a:blip r:embed="rId4"/>
               <a:srcRect/>
@@ -20117,7 +20466,7 @@
               </a:stretch>
             </p:blipFill>
           </mc:Choice>
-          <mc:Fallback xmlns:p="http://schemas.openxmlformats.org/presentationml/2006/main" xmlns:mv="urn:schemas-microsoft-com:mac:vml" xmlns:mc="http://schemas.openxmlformats.org/markup-compatibility/2006" xmlns:r="http://schemas.openxmlformats.org/officeDocument/2006/relationships" xmlns:a="http://schemas.openxmlformats.org/drawingml/2006/main" xmlns="">
+          <mc:Fallback xmlns:ma="http://schemas.microsoft.com/office/mac/drawingml/2008/main" xmlns="" xmlns:a="http://schemas.openxmlformats.org/drawingml/2006/main" xmlns:r="http://schemas.openxmlformats.org/officeDocument/2006/relationships" xmlns:mc="http://schemas.openxmlformats.org/markup-compatibility/2006" xmlns:mv="urn:schemas-microsoft-com:mac:vml" xmlns:p="http://schemas.openxmlformats.org/presentationml/2006/main">
             <p:blipFill>
               <a:blip r:embed="rId6"/>
               <a:srcRect/>
@@ -20156,7 +20505,7 @@
 </p:sld>
 </file>
 
-<file path=ppt/slides/slide35.xml><?xml version="1.0" encoding="utf-8"?>
+<file path=ppt/slides/slide36.xml><?xml version="1.0" encoding="utf-8"?>
 <p:sld xmlns:a="http://schemas.openxmlformats.org/drawingml/2006/main" xmlns:r="http://schemas.openxmlformats.org/officeDocument/2006/relationships" xmlns:mc="http://schemas.openxmlformats.org/markup-compatibility/2006" xmlns:mv="urn:schemas-microsoft-com:mac:vml" xmlns:p="http://schemas.openxmlformats.org/presentationml/2006/main" mc:Ignorable="mv" mc:PreserveAttributes="mv:*">
   <p:cSld>
     <p:spTree>
@@ -20204,7 +20553,7 @@
               <a:pPr>
                 <a:defRPr/>
               </a:pPr>
-              <a:t>35</a:t>
+              <a:t>36</a:t>
             </a:fld>
             <a:endParaRPr lang="en-US" dirty="0"/>
           </a:p>
@@ -20600,7 +20949,7 @@
 </p:sld>
 </file>
 
-<file path=ppt/slides/slide36.xml><?xml version="1.0" encoding="utf-8"?>
+<file path=ppt/slides/slide37.xml><?xml version="1.0" encoding="utf-8"?>
 <p:sld xmlns:a="http://schemas.openxmlformats.org/drawingml/2006/main" xmlns:r="http://schemas.openxmlformats.org/officeDocument/2006/relationships" xmlns:mc="http://schemas.openxmlformats.org/markup-compatibility/2006" xmlns:mv="urn:schemas-microsoft-com:mac:vml" xmlns:p="http://schemas.openxmlformats.org/presentationml/2006/main" mc:Ignorable="mv" mc:PreserveAttributes="mv:*" show="0">
   <p:cSld>
     <p:spTree>
@@ -20648,7 +20997,7 @@
               <a:pPr>
                 <a:defRPr/>
               </a:pPr>
-              <a:t>36</a:t>
+              <a:t>37</a:t>
             </a:fld>
             <a:endParaRPr lang="en-US" dirty="0"/>
           </a:p>
@@ -21026,7 +21375,7 @@
 </p:sld>
 </file>
 
-<file path=ppt/slides/slide37.xml><?xml version="1.0" encoding="utf-8"?>
+<file path=ppt/slides/slide38.xml><?xml version="1.0" encoding="utf-8"?>
 <p:sld xmlns:a="http://schemas.openxmlformats.org/drawingml/2006/main" xmlns:r="http://schemas.openxmlformats.org/officeDocument/2006/relationships" xmlns:mc="http://schemas.openxmlformats.org/markup-compatibility/2006" xmlns:mv="urn:schemas-microsoft-com:mac:vml" xmlns:p="http://schemas.openxmlformats.org/presentationml/2006/main" mc:Ignorable="mv" mc:PreserveAttributes="mv:*">
   <p:cSld>
     <p:spTree>
@@ -21074,7 +21423,7 @@
               <a:pPr>
                 <a:defRPr/>
               </a:pPr>
-              <a:t>37</a:t>
+              <a:t>38</a:t>
             </a:fld>
             <a:endParaRPr lang="en-US" dirty="0"/>
           </a:p>
@@ -21577,7 +21926,7 @@
 </p:sld>
 </file>
 
-<file path=ppt/slides/slide38.xml><?xml version="1.0" encoding="utf-8"?>
+<file path=ppt/slides/slide39.xml><?xml version="1.0" encoding="utf-8"?>
 <p:sld xmlns:a="http://schemas.openxmlformats.org/drawingml/2006/main" xmlns:r="http://schemas.openxmlformats.org/officeDocument/2006/relationships" xmlns:mc="http://schemas.openxmlformats.org/markup-compatibility/2006" xmlns:mv="urn:schemas-microsoft-com:mac:vml" xmlns:p="http://schemas.openxmlformats.org/presentationml/2006/main" mc:Ignorable="mv" mc:PreserveAttributes="mv:*">
   <p:cSld>
     <p:spTree>
@@ -21625,7 +21974,7 @@
               <a:pPr>
                 <a:defRPr/>
               </a:pPr>
-              <a:t>38</a:t>
+              <a:t>39</a:t>
             </a:fld>
             <a:endParaRPr lang="en-US" dirty="0"/>
           </a:p>
@@ -22264,461 +22613,6 @@
 </p:sld>
 </file>
 
-<file path=ppt/slides/slide39.xml><?xml version="1.0" encoding="utf-8"?>
-<p:sld xmlns:a="http://schemas.openxmlformats.org/drawingml/2006/main" xmlns:r="http://schemas.openxmlformats.org/officeDocument/2006/relationships" xmlns:mc="http://schemas.openxmlformats.org/markup-compatibility/2006" xmlns:mv="urn:schemas-microsoft-com:mac:vml" xmlns:p="http://schemas.openxmlformats.org/presentationml/2006/main" mc:Ignorable="mv" mc:PreserveAttributes="mv:*">
-  <p:cSld>
-    <p:spTree>
-      <p:nvGrpSpPr>
-        <p:cNvPr id="1" name=""/>
-        <p:cNvGrpSpPr/>
-        <p:nvPr/>
-      </p:nvGrpSpPr>
-      <p:grpSpPr>
-        <a:xfrm>
-          <a:off x="0" y="0"/>
-          <a:ext cx="0" cy="0"/>
-          <a:chOff x="0" y="0"/>
-          <a:chExt cx="0" cy="0"/>
-        </a:xfrm>
-      </p:grpSpPr>
-      <p:sp>
-        <p:nvSpPr>
-          <p:cNvPr id="2" name="Title 1"/>
-          <p:cNvSpPr>
-            <a:spLocks noGrp="1"/>
-          </p:cNvSpPr>
-          <p:nvPr>
-            <p:ph type="title"/>
-          </p:nvPr>
-        </p:nvSpPr>
-        <p:spPr/>
-        <p:txBody>
-          <a:bodyPr/>
-          <a:lstStyle/>
-          <a:p>
-            <a:r>
-              <a:rPr lang="en-US" dirty="0" smtClean="0"/>
-              <a:t>Mutual Independence</a:t>
-            </a:r>
-            <a:endParaRPr lang="en-US" dirty="0"/>
-          </a:p>
-        </p:txBody>
-      </p:sp>
-      <p:sp>
-        <p:nvSpPr>
-          <p:cNvPr id="3" name="Content Placeholder 2"/>
-          <p:cNvSpPr>
-            <a:spLocks noGrp="1"/>
-          </p:cNvSpPr>
-          <p:nvPr>
-            <p:ph idx="1"/>
-          </p:nvPr>
-        </p:nvSpPr>
-        <p:spPr>
-          <a:xfrm>
-            <a:off x="175963" y="1078919"/>
-            <a:ext cx="8743345" cy="5359003"/>
-          </a:xfrm>
-        </p:spPr>
-        <p:txBody>
-          <a:bodyPr/>
-          <a:lstStyle/>
-          <a:p>
-            <a:r>
-              <a:rPr lang="en-US" sz="4400" dirty="0" smtClean="0"/>
-              <a:t>Given mutually </a:t>
-            </a:r>
-            <a:r>
-              <a:rPr lang="en-US" sz="4400" dirty="0" err="1" smtClean="0"/>
-              <a:t>indep</a:t>
-            </a:r>
-            <a:r>
-              <a:rPr lang="en-US" sz="4400" dirty="0" smtClean="0"/>
-              <a:t> RV’s </a:t>
-            </a:r>
-            <a:r>
-              <a:rPr lang="en-US" sz="4400" dirty="0" smtClean="0">
-                <a:solidFill>
-                  <a:srgbClr val="0000CC"/>
-                </a:solidFill>
-              </a:rPr>
-              <a:t>R</a:t>
-            </a:r>
-            <a:r>
-              <a:rPr lang="en-US" sz="4400" baseline="-25000" dirty="0" smtClean="0">
-                <a:solidFill>
-                  <a:srgbClr val="0000CC"/>
-                </a:solidFill>
-              </a:rPr>
-              <a:t>1</a:t>
-            </a:r>
-            <a:r>
-              <a:rPr lang="en-US" sz="4400" dirty="0" smtClean="0">
-                <a:solidFill>
-                  <a:srgbClr val="0000CC"/>
-                </a:solidFill>
-              </a:rPr>
-              <a:t>,R</a:t>
-            </a:r>
-            <a:r>
-              <a:rPr lang="en-US" sz="4400" baseline="-25000" dirty="0" smtClean="0">
-                <a:solidFill>
-                  <a:srgbClr val="0000CC"/>
-                </a:solidFill>
-              </a:rPr>
-              <a:t>2</a:t>
-            </a:r>
-            <a:r>
-              <a:rPr lang="en-US" sz="4400" dirty="0" smtClean="0">
-                <a:solidFill>
-                  <a:srgbClr val="0000CC"/>
-                </a:solidFill>
-              </a:rPr>
-              <a:t>,</a:t>
-            </a:r>
-            <a:r>
-              <a:rPr lang="en-US" sz="4400" dirty="0" smtClean="0">
-                <a:solidFill>
-                  <a:srgbClr val="0000CC"/>
-                </a:solidFill>
-                <a:sym typeface="Euclid Symbol"/>
-              </a:rPr>
-              <a:t>…</a:t>
-            </a:r>
-          </a:p>
-          <a:p>
-            <a:pPr algn="ctr"/>
-            <a:r>
-              <a:rPr lang="en-US" sz="5400" dirty="0" smtClean="0">
-                <a:solidFill>
-                  <a:srgbClr val="0000CC"/>
-                </a:solidFill>
-              </a:rPr>
-              <a:t>[R</a:t>
-            </a:r>
-            <a:r>
-              <a:rPr lang="en-US" sz="5400" baseline="-25000" dirty="0" smtClean="0">
-                <a:solidFill>
-                  <a:srgbClr val="0000CC"/>
-                </a:solidFill>
-              </a:rPr>
-              <a:t>1</a:t>
-            </a:r>
-            <a:r>
-              <a:rPr lang="en-US" sz="5400" dirty="0" smtClean="0">
-                <a:solidFill>
-                  <a:srgbClr val="0000CC"/>
-                </a:solidFill>
-              </a:rPr>
-              <a:t>=R</a:t>
-            </a:r>
-            <a:r>
-              <a:rPr lang="en-US" sz="5400" baseline="-25000" dirty="0" smtClean="0">
-                <a:solidFill>
-                  <a:srgbClr val="0000CC"/>
-                </a:solidFill>
-              </a:rPr>
-              <a:t>2</a:t>
-            </a:r>
-            <a:r>
-              <a:rPr lang="en-US" sz="5400" dirty="0" smtClean="0">
-                <a:solidFill>
-                  <a:srgbClr val="0000CC"/>
-                </a:solidFill>
-              </a:rPr>
-              <a:t>]</a:t>
-            </a:r>
-            <a:r>
-              <a:rPr lang="en-US" sz="5400" dirty="0" smtClean="0"/>
-              <a:t>  </a:t>
-            </a:r>
-            <a:r>
-              <a:rPr lang="en-US" sz="5400" dirty="0" err="1" smtClean="0"/>
-              <a:t>indep</a:t>
-            </a:r>
-            <a:r>
-              <a:rPr lang="en-US" sz="5400" dirty="0" smtClean="0"/>
-              <a:t> of </a:t>
-            </a:r>
-            <a:r>
-              <a:rPr lang="en-US" sz="5400" dirty="0" smtClean="0">
-                <a:solidFill>
-                  <a:srgbClr val="0000CC"/>
-                </a:solidFill>
-              </a:rPr>
-              <a:t>[R</a:t>
-            </a:r>
-            <a:r>
-              <a:rPr lang="en-US" sz="5400" baseline="-25000" dirty="0" smtClean="0">
-                <a:solidFill>
-                  <a:srgbClr val="0000CC"/>
-                </a:solidFill>
-              </a:rPr>
-              <a:t>3</a:t>
-            </a:r>
-            <a:r>
-              <a:rPr lang="en-US" sz="5400" dirty="0" smtClean="0">
-                <a:solidFill>
-                  <a:srgbClr val="0000CC"/>
-                </a:solidFill>
-              </a:rPr>
-              <a:t>=R</a:t>
-            </a:r>
-            <a:r>
-              <a:rPr lang="en-US" sz="5400" baseline="-25000" dirty="0" smtClean="0">
-                <a:solidFill>
-                  <a:srgbClr val="0000CC"/>
-                </a:solidFill>
-              </a:rPr>
-              <a:t>4</a:t>
-            </a:r>
-            <a:r>
-              <a:rPr lang="en-US" sz="5400" dirty="0" smtClean="0">
-                <a:solidFill>
-                  <a:srgbClr val="0000CC"/>
-                </a:solidFill>
-              </a:rPr>
-              <a:t>] </a:t>
-            </a:r>
-            <a:r>
-              <a:rPr lang="en-US" sz="5400" dirty="0" smtClean="0"/>
-              <a:t>?</a:t>
-            </a:r>
-            <a:endParaRPr lang="en-US" sz="5400" dirty="0" smtClean="0">
-              <a:solidFill>
-                <a:srgbClr val="0000CC"/>
-              </a:solidFill>
-            </a:endParaRPr>
-          </a:p>
-          <a:p>
-            <a:pPr algn="ctr"/>
-            <a:r>
-              <a:rPr lang="en-US" sz="7200" dirty="0" smtClean="0"/>
-              <a:t>obviously!</a:t>
-            </a:r>
-          </a:p>
-        </p:txBody>
-      </p:sp>
-      <p:sp>
-        <p:nvSpPr>
-          <p:cNvPr id="4" name="Slide Number Placeholder 3"/>
-          <p:cNvSpPr>
-            <a:spLocks noGrp="1"/>
-          </p:cNvSpPr>
-          <p:nvPr>
-            <p:ph type="sldNum" sz="quarter" idx="4294967295"/>
-          </p:nvPr>
-        </p:nvSpPr>
-        <p:spPr>
-          <a:xfrm>
-            <a:off x="7950194" y="6600092"/>
-            <a:ext cx="1125415" cy="257907"/>
-          </a:xfrm>
-          <a:prstGeom prst="rect">
-            <a:avLst/>
-          </a:prstGeom>
-        </p:spPr>
-        <p:txBody>
-          <a:bodyPr/>
-          <a:lstStyle/>
-          <a:p>
-            <a:pPr>
-              <a:defRPr/>
-            </a:pPr>
-            <a:r>
-              <a:rPr lang="en-US" sz="1200" dirty="0" err="1" smtClean="0">
-                <a:latin typeface="Comic Sans MS"/>
-                <a:cs typeface="Comic Sans MS"/>
-              </a:rPr>
-              <a:t>lec</a:t>
-            </a:r>
-            <a:r>
-              <a:rPr lang="en-US" sz="1200" dirty="0" smtClean="0">
-                <a:latin typeface="Comic Sans MS"/>
-                <a:cs typeface="Comic Sans MS"/>
-              </a:rPr>
-              <a:t> 12W.</a:t>
-            </a:r>
-            <a:fld id="{679D5B46-281B-48C5-ADB5-CFE0495CD191}" type="slidenum">
-              <a:rPr lang="en-US" sz="1200" smtClean="0">
-                <a:latin typeface="Comic Sans MS"/>
-                <a:cs typeface="Comic Sans MS"/>
-              </a:rPr>
-              <a:pPr>
-                <a:defRPr/>
-              </a:pPr>
-              <a:t>39</a:t>
-            </a:fld>
-            <a:endParaRPr lang="en-US" sz="1200" dirty="0">
-              <a:latin typeface="Comic Sans MS"/>
-              <a:cs typeface="Comic Sans MS"/>
-            </a:endParaRPr>
-          </a:p>
-        </p:txBody>
-      </p:sp>
-    </p:spTree>
-  </p:cSld>
-  <p:clrMapOvr>
-    <a:masterClrMapping/>
-  </p:clrMapOvr>
-  <p:timing>
-    <p:tnLst>
-      <p:par>
-        <p:cTn id="1" dur="indefinite" restart="never" nodeType="tmRoot">
-          <p:childTnLst>
-            <p:seq concurrent="1" nextAc="seek">
-              <p:cTn id="2" dur="indefinite" nodeType="mainSeq">
-                <p:childTnLst>
-                  <p:par>
-                    <p:cTn id="3" fill="hold">
-                      <p:stCondLst>
-                        <p:cond delay="indefinite"/>
-                      </p:stCondLst>
-                      <p:childTnLst>
-                        <p:par>
-                          <p:cTn id="4" fill="hold">
-                            <p:stCondLst>
-                              <p:cond delay="0"/>
-                            </p:stCondLst>
-                            <p:childTnLst>
-                              <p:par>
-                                <p:cTn id="5" presetID="10" presetClass="entr" presetSubtype="0" fill="hold" grpId="0" nodeType="clickEffect">
-                                  <p:stCondLst>
-                                    <p:cond delay="0"/>
-                                  </p:stCondLst>
-                                  <p:childTnLst>
-                                    <p:set>
-                                      <p:cBhvr>
-                                        <p:cTn id="6" dur="1" fill="hold">
-                                          <p:stCondLst>
-                                            <p:cond delay="0"/>
-                                          </p:stCondLst>
-                                        </p:cTn>
-                                        <p:tgtEl>
-                                          <p:spTgt spid="3">
-                                            <p:txEl>
-                                              <p:pRg st="1" end="1"/>
-                                            </p:txEl>
-                                          </p:spTgt>
-                                        </p:tgtEl>
-                                        <p:attrNameLst>
-                                          <p:attrName>style.visibility</p:attrName>
-                                        </p:attrNameLst>
-                                      </p:cBhvr>
-                                      <p:to>
-                                        <p:strVal val="visible"/>
-                                      </p:to>
-                                    </p:set>
-                                    <p:animEffect transition="in" filter="fade">
-                                      <p:cBhvr>
-                                        <p:cTn id="7" dur="500"/>
-                                        <p:tgtEl>
-                                          <p:spTgt spid="3">
-                                            <p:txEl>
-                                              <p:pRg st="1" end="1"/>
-                                            </p:txEl>
-                                          </p:spTgt>
-                                        </p:tgtEl>
-                                      </p:cBhvr>
-                                    </p:animEffect>
-                                  </p:childTnLst>
-                                </p:cTn>
-                              </p:par>
-                            </p:childTnLst>
-                          </p:cTn>
-                        </p:par>
-                      </p:childTnLst>
-                    </p:cTn>
-                  </p:par>
-                  <p:par>
-                    <p:cTn id="8" fill="hold">
-                      <p:stCondLst>
-                        <p:cond delay="indefinite"/>
-                      </p:stCondLst>
-                      <p:childTnLst>
-                        <p:par>
-                          <p:cTn id="9" fill="hold">
-                            <p:stCondLst>
-                              <p:cond delay="0"/>
-                            </p:stCondLst>
-                            <p:childTnLst>
-                              <p:par>
-                                <p:cTn id="10" presetID="10" presetClass="entr" presetSubtype="0" fill="hold" grpId="0" nodeType="clickEffect">
-                                  <p:stCondLst>
-                                    <p:cond delay="0"/>
-                                  </p:stCondLst>
-                                  <p:childTnLst>
-                                    <p:set>
-                                      <p:cBhvr>
-                                        <p:cTn id="11" dur="1" fill="hold">
-                                          <p:stCondLst>
-                                            <p:cond delay="0"/>
-                                          </p:stCondLst>
-                                        </p:cTn>
-                                        <p:tgtEl>
-                                          <p:spTgt spid="3">
-                                            <p:txEl>
-                                              <p:pRg st="2" end="2"/>
-                                            </p:txEl>
-                                          </p:spTgt>
-                                        </p:tgtEl>
-                                        <p:attrNameLst>
-                                          <p:attrName>style.visibility</p:attrName>
-                                        </p:attrNameLst>
-                                      </p:cBhvr>
-                                      <p:to>
-                                        <p:strVal val="visible"/>
-                                      </p:to>
-                                    </p:set>
-                                    <p:animEffect transition="in" filter="fade">
-                                      <p:cBhvr>
-                                        <p:cTn id="12" dur="500"/>
-                                        <p:tgtEl>
-                                          <p:spTgt spid="3">
-                                            <p:txEl>
-                                              <p:pRg st="2" end="2"/>
-                                            </p:txEl>
-                                          </p:spTgt>
-                                        </p:tgtEl>
-                                      </p:cBhvr>
-                                    </p:animEffect>
-                                  </p:childTnLst>
-                                </p:cTn>
-                              </p:par>
-                            </p:childTnLst>
-                          </p:cTn>
-                        </p:par>
-                      </p:childTnLst>
-                    </p:cTn>
-                  </p:par>
-                </p:childTnLst>
-              </p:cTn>
-              <p:prevCondLst>
-                <p:cond evt="onPrev" delay="0">
-                  <p:tgtEl>
-                    <p:sldTgt/>
-                  </p:tgtEl>
-                </p:cond>
-              </p:prevCondLst>
-              <p:nextCondLst>
-                <p:cond evt="onNext" delay="0">
-                  <p:tgtEl>
-                    <p:sldTgt/>
-                  </p:tgtEl>
-                </p:cond>
-              </p:nextCondLst>
-            </p:seq>
-          </p:childTnLst>
-        </p:cTn>
-      </p:par>
-    </p:tnLst>
-    <p:bldLst>
-      <p:bldP spid="3" grpId="0" build="p"/>
-    </p:bldLst>
-  </p:timing>
-</p:sld>
-</file>
-
 <file path=ppt/slides/slide4.xml><?xml version="1.0" encoding="utf-8"?>
 <p:sld xmlns:a="http://schemas.openxmlformats.org/drawingml/2006/main" xmlns:r="http://schemas.openxmlformats.org/officeDocument/2006/relationships" xmlns:mc="http://schemas.openxmlformats.org/markup-compatibility/2006" xmlns:mv="urn:schemas-microsoft-com:mac:vml" xmlns:p="http://schemas.openxmlformats.org/presentationml/2006/main" mc:Ignorable="mv" mc:PreserveAttributes="mv:*">
   <p:cSld>
@@ -23412,7 +23306,7 @@
             <a:r>
               <a:rPr lang="en-US" sz="5400" baseline="-25000" dirty="0" smtClean="0">
                 <a:solidFill>
-                  <a:srgbClr val="FF00FF"/>
+                  <a:srgbClr val="0000CC"/>
                 </a:solidFill>
               </a:rPr>
               <a:t>2</a:t>
@@ -23464,10 +23358,10 @@
             <a:r>
               <a:rPr lang="en-US" sz="5400" baseline="-25000" dirty="0" smtClean="0">
                 <a:solidFill>
-                  <a:srgbClr val="FF00FF"/>
-                </a:solidFill>
-              </a:rPr>
-              <a:t>2</a:t>
+                  <a:srgbClr val="0000CC"/>
+                </a:solidFill>
+              </a:rPr>
+              <a:t>4</a:t>
             </a:r>
             <a:r>
               <a:rPr lang="en-US" sz="5400" dirty="0" smtClean="0">
@@ -23481,80 +23375,18 @@
               <a:rPr lang="en-US" sz="5400" dirty="0" smtClean="0"/>
               <a:t>?</a:t>
             </a:r>
-          </a:p>
-          <a:p>
-            <a:r>
-              <a:rPr lang="en-US" sz="6000" dirty="0" smtClean="0">
-                <a:solidFill>
-                  <a:srgbClr val="006600"/>
-                </a:solidFill>
-                <a:cs typeface="Comic Sans MS"/>
-              </a:rPr>
-              <a:t>YES </a:t>
-            </a:r>
-            <a:r>
-              <a:rPr lang="en-US" sz="6000" dirty="0" smtClean="0">
-                <a:solidFill>
-                  <a:schemeClr val="tx2"/>
-                </a:solidFill>
-                <a:cs typeface="Comic Sans MS"/>
-              </a:rPr>
-              <a:t>as long as one of</a:t>
-            </a:r>
-          </a:p>
-          <a:p>
-            <a:r>
-              <a:rPr lang="en-US" sz="6000" dirty="0" smtClean="0">
-                <a:solidFill>
-                  <a:schemeClr val="tx2"/>
-                </a:solidFill>
-                <a:cs typeface="Comic Sans MS"/>
-              </a:rPr>
-              <a:t>the </a:t>
-            </a:r>
-            <a:r>
-              <a:rPr lang="en-US" sz="6000" dirty="0" err="1" smtClean="0">
-                <a:solidFill>
-                  <a:srgbClr val="0000FF"/>
-                </a:solidFill>
-                <a:cs typeface="Comic Sans MS"/>
-              </a:rPr>
-              <a:t>R</a:t>
-            </a:r>
-            <a:r>
-              <a:rPr lang="en-US" sz="6000" baseline="-25000" dirty="0" err="1" smtClean="0">
-                <a:solidFill>
-                  <a:srgbClr val="0000FF"/>
-                </a:solidFill>
-                <a:cs typeface="Comic Sans MS"/>
-              </a:rPr>
-              <a:t>i</a:t>
-            </a:r>
-            <a:r>
-              <a:rPr lang="en-US" sz="6000" dirty="0" err="1" smtClean="0">
-                <a:solidFill>
-                  <a:srgbClr val="000000"/>
-                </a:solidFill>
-                <a:cs typeface="Comic Sans MS"/>
-              </a:rPr>
-              <a:t>’s</a:t>
-            </a:r>
-            <a:r>
-              <a:rPr lang="en-US" sz="6000" dirty="0" smtClean="0">
-                <a:cs typeface="Comic Sans MS"/>
-              </a:rPr>
-              <a:t> is </a:t>
-            </a:r>
-            <a:r>
-              <a:rPr lang="en-US" sz="6000" dirty="0" smtClean="0">
-                <a:solidFill>
-                  <a:srgbClr val="FF00FF"/>
-                </a:solidFill>
-                <a:cs typeface="Comic Sans MS"/>
-              </a:rPr>
-              <a:t>uniform</a:t>
-            </a:r>
-            <a:endParaRPr lang="en-US" sz="6000" dirty="0" smtClean="0"/>
+            <a:endParaRPr lang="en-US" sz="5400" dirty="0" smtClean="0">
+              <a:solidFill>
+                <a:srgbClr val="0000CC"/>
+              </a:solidFill>
+            </a:endParaRPr>
+          </a:p>
+          <a:p>
+            <a:pPr algn="ctr"/>
+            <a:r>
+              <a:rPr lang="en-US" sz="7200" dirty="0" smtClean="0"/>
+              <a:t>obviously!</a:t>
+            </a:r>
           </a:p>
         </p:txBody>
       </p:sp>
@@ -23607,6 +23439,523 @@
                 <a:defRPr/>
               </a:pPr>
               <a:t>40</a:t>
+            </a:fld>
+            <a:endParaRPr lang="en-US" sz="1200" dirty="0">
+              <a:latin typeface="Comic Sans MS"/>
+              <a:cs typeface="Comic Sans MS"/>
+            </a:endParaRPr>
+          </a:p>
+        </p:txBody>
+      </p:sp>
+    </p:spTree>
+  </p:cSld>
+  <p:clrMapOvr>
+    <a:masterClrMapping/>
+  </p:clrMapOvr>
+  <p:timing>
+    <p:tnLst>
+      <p:par>
+        <p:cTn id="1" dur="indefinite" restart="never" nodeType="tmRoot">
+          <p:childTnLst>
+            <p:seq concurrent="1" nextAc="seek">
+              <p:cTn id="2" dur="indefinite" nodeType="mainSeq">
+                <p:childTnLst>
+                  <p:par>
+                    <p:cTn id="3" fill="hold">
+                      <p:stCondLst>
+                        <p:cond delay="indefinite"/>
+                      </p:stCondLst>
+                      <p:childTnLst>
+                        <p:par>
+                          <p:cTn id="4" fill="hold">
+                            <p:stCondLst>
+                              <p:cond delay="0"/>
+                            </p:stCondLst>
+                            <p:childTnLst>
+                              <p:par>
+                                <p:cTn id="5" presetID="10" presetClass="entr" presetSubtype="0" fill="hold" grpId="0" nodeType="clickEffect">
+                                  <p:stCondLst>
+                                    <p:cond delay="0"/>
+                                  </p:stCondLst>
+                                  <p:childTnLst>
+                                    <p:set>
+                                      <p:cBhvr>
+                                        <p:cTn id="6" dur="1" fill="hold">
+                                          <p:stCondLst>
+                                            <p:cond delay="0"/>
+                                          </p:stCondLst>
+                                        </p:cTn>
+                                        <p:tgtEl>
+                                          <p:spTgt spid="3">
+                                            <p:txEl>
+                                              <p:pRg st="1" end="1"/>
+                                            </p:txEl>
+                                          </p:spTgt>
+                                        </p:tgtEl>
+                                        <p:attrNameLst>
+                                          <p:attrName>style.visibility</p:attrName>
+                                        </p:attrNameLst>
+                                      </p:cBhvr>
+                                      <p:to>
+                                        <p:strVal val="visible"/>
+                                      </p:to>
+                                    </p:set>
+                                    <p:animEffect transition="in" filter="fade">
+                                      <p:cBhvr>
+                                        <p:cTn id="7" dur="500"/>
+                                        <p:tgtEl>
+                                          <p:spTgt spid="3">
+                                            <p:txEl>
+                                              <p:pRg st="1" end="1"/>
+                                            </p:txEl>
+                                          </p:spTgt>
+                                        </p:tgtEl>
+                                      </p:cBhvr>
+                                    </p:animEffect>
+                                  </p:childTnLst>
+                                </p:cTn>
+                              </p:par>
+                            </p:childTnLst>
+                          </p:cTn>
+                        </p:par>
+                      </p:childTnLst>
+                    </p:cTn>
+                  </p:par>
+                  <p:par>
+                    <p:cTn id="8" fill="hold">
+                      <p:stCondLst>
+                        <p:cond delay="indefinite"/>
+                      </p:stCondLst>
+                      <p:childTnLst>
+                        <p:par>
+                          <p:cTn id="9" fill="hold">
+                            <p:stCondLst>
+                              <p:cond delay="0"/>
+                            </p:stCondLst>
+                            <p:childTnLst>
+                              <p:par>
+                                <p:cTn id="10" presetID="10" presetClass="entr" presetSubtype="0" fill="hold" grpId="0" nodeType="clickEffect">
+                                  <p:stCondLst>
+                                    <p:cond delay="0"/>
+                                  </p:stCondLst>
+                                  <p:childTnLst>
+                                    <p:set>
+                                      <p:cBhvr>
+                                        <p:cTn id="11" dur="1" fill="hold">
+                                          <p:stCondLst>
+                                            <p:cond delay="0"/>
+                                          </p:stCondLst>
+                                        </p:cTn>
+                                        <p:tgtEl>
+                                          <p:spTgt spid="3">
+                                            <p:txEl>
+                                              <p:pRg st="2" end="2"/>
+                                            </p:txEl>
+                                          </p:spTgt>
+                                        </p:tgtEl>
+                                        <p:attrNameLst>
+                                          <p:attrName>style.visibility</p:attrName>
+                                        </p:attrNameLst>
+                                      </p:cBhvr>
+                                      <p:to>
+                                        <p:strVal val="visible"/>
+                                      </p:to>
+                                    </p:set>
+                                    <p:animEffect transition="in" filter="fade">
+                                      <p:cBhvr>
+                                        <p:cTn id="12" dur="500"/>
+                                        <p:tgtEl>
+                                          <p:spTgt spid="3">
+                                            <p:txEl>
+                                              <p:pRg st="2" end="2"/>
+                                            </p:txEl>
+                                          </p:spTgt>
+                                        </p:tgtEl>
+                                      </p:cBhvr>
+                                    </p:animEffect>
+                                  </p:childTnLst>
+                                </p:cTn>
+                              </p:par>
+                            </p:childTnLst>
+                          </p:cTn>
+                        </p:par>
+                      </p:childTnLst>
+                    </p:cTn>
+                  </p:par>
+                </p:childTnLst>
+              </p:cTn>
+              <p:prevCondLst>
+                <p:cond evt="onPrev" delay="0">
+                  <p:tgtEl>
+                    <p:sldTgt/>
+                  </p:tgtEl>
+                </p:cond>
+              </p:prevCondLst>
+              <p:nextCondLst>
+                <p:cond evt="onNext" delay="0">
+                  <p:tgtEl>
+                    <p:sldTgt/>
+                  </p:tgtEl>
+                </p:cond>
+              </p:nextCondLst>
+            </p:seq>
+          </p:childTnLst>
+        </p:cTn>
+      </p:par>
+    </p:tnLst>
+    <p:bldLst>
+      <p:bldP spid="3" grpId="0" build="p"/>
+    </p:bldLst>
+  </p:timing>
+</p:sld>
+</file>
+
+<file path=ppt/slides/slide41.xml><?xml version="1.0" encoding="utf-8"?>
+<p:sld xmlns:a="http://schemas.openxmlformats.org/drawingml/2006/main" xmlns:r="http://schemas.openxmlformats.org/officeDocument/2006/relationships" xmlns:mc="http://schemas.openxmlformats.org/markup-compatibility/2006" xmlns:mv="urn:schemas-microsoft-com:mac:vml" xmlns:p="http://schemas.openxmlformats.org/presentationml/2006/main" mc:Ignorable="mv" mc:PreserveAttributes="mv:*">
+  <p:cSld>
+    <p:spTree>
+      <p:nvGrpSpPr>
+        <p:cNvPr id="1" name=""/>
+        <p:cNvGrpSpPr/>
+        <p:nvPr/>
+      </p:nvGrpSpPr>
+      <p:grpSpPr>
+        <a:xfrm>
+          <a:off x="0" y="0"/>
+          <a:ext cx="0" cy="0"/>
+          <a:chOff x="0" y="0"/>
+          <a:chExt cx="0" cy="0"/>
+        </a:xfrm>
+      </p:grpSpPr>
+      <p:sp>
+        <p:nvSpPr>
+          <p:cNvPr id="2" name="Title 1"/>
+          <p:cNvSpPr>
+            <a:spLocks noGrp="1"/>
+          </p:cNvSpPr>
+          <p:nvPr>
+            <p:ph type="title"/>
+          </p:nvPr>
+        </p:nvSpPr>
+        <p:spPr/>
+        <p:txBody>
+          <a:bodyPr/>
+          <a:lstStyle/>
+          <a:p>
+            <a:r>
+              <a:rPr lang="en-US" dirty="0" smtClean="0"/>
+              <a:t>Mutual Independence</a:t>
+            </a:r>
+            <a:endParaRPr lang="en-US" dirty="0"/>
+          </a:p>
+        </p:txBody>
+      </p:sp>
+      <p:sp>
+        <p:nvSpPr>
+          <p:cNvPr id="3" name="Content Placeholder 2"/>
+          <p:cNvSpPr>
+            <a:spLocks noGrp="1"/>
+          </p:cNvSpPr>
+          <p:nvPr>
+            <p:ph idx="1"/>
+          </p:nvPr>
+        </p:nvSpPr>
+        <p:spPr>
+          <a:xfrm>
+            <a:off x="175963" y="1078919"/>
+            <a:ext cx="8743345" cy="5359003"/>
+          </a:xfrm>
+        </p:spPr>
+        <p:txBody>
+          <a:bodyPr/>
+          <a:lstStyle/>
+          <a:p>
+            <a:r>
+              <a:rPr lang="en-US" sz="4400" dirty="0" smtClean="0"/>
+              <a:t>Given mutually </a:t>
+            </a:r>
+            <a:r>
+              <a:rPr lang="en-US" sz="4400" dirty="0" err="1" smtClean="0"/>
+              <a:t>indep</a:t>
+            </a:r>
+            <a:r>
+              <a:rPr lang="en-US" sz="4400" dirty="0" smtClean="0"/>
+              <a:t> RV’s </a:t>
+            </a:r>
+            <a:r>
+              <a:rPr lang="en-US" sz="4400" dirty="0" smtClean="0">
+                <a:solidFill>
+                  <a:srgbClr val="0000CC"/>
+                </a:solidFill>
+              </a:rPr>
+              <a:t>R</a:t>
+            </a:r>
+            <a:r>
+              <a:rPr lang="en-US" sz="4400" baseline="-25000" dirty="0" smtClean="0">
+                <a:solidFill>
+                  <a:srgbClr val="0000CC"/>
+                </a:solidFill>
+              </a:rPr>
+              <a:t>1</a:t>
+            </a:r>
+            <a:r>
+              <a:rPr lang="en-US" sz="4400" dirty="0" smtClean="0">
+                <a:solidFill>
+                  <a:srgbClr val="0000CC"/>
+                </a:solidFill>
+              </a:rPr>
+              <a:t>,R</a:t>
+            </a:r>
+            <a:r>
+              <a:rPr lang="en-US" sz="4400" baseline="-25000" dirty="0" smtClean="0">
+                <a:solidFill>
+                  <a:srgbClr val="0000CC"/>
+                </a:solidFill>
+              </a:rPr>
+              <a:t>2</a:t>
+            </a:r>
+            <a:r>
+              <a:rPr lang="en-US" sz="4400" dirty="0" smtClean="0">
+                <a:solidFill>
+                  <a:srgbClr val="0000CC"/>
+                </a:solidFill>
+              </a:rPr>
+              <a:t>,</a:t>
+            </a:r>
+            <a:r>
+              <a:rPr lang="en-US" sz="4400" dirty="0" smtClean="0">
+                <a:solidFill>
+                  <a:srgbClr val="0000CC"/>
+                </a:solidFill>
+                <a:sym typeface="Euclid Symbol"/>
+              </a:rPr>
+              <a:t>…</a:t>
+            </a:r>
+          </a:p>
+          <a:p>
+            <a:pPr algn="ctr"/>
+            <a:r>
+              <a:rPr lang="en-US" sz="5400" dirty="0" smtClean="0">
+                <a:solidFill>
+                  <a:srgbClr val="0000CC"/>
+                </a:solidFill>
+              </a:rPr>
+              <a:t>[R</a:t>
+            </a:r>
+            <a:r>
+              <a:rPr lang="en-US" sz="5400" baseline="-25000" dirty="0" smtClean="0">
+                <a:solidFill>
+                  <a:srgbClr val="0000CC"/>
+                </a:solidFill>
+              </a:rPr>
+              <a:t>1</a:t>
+            </a:r>
+            <a:r>
+              <a:rPr lang="en-US" sz="5400" dirty="0" smtClean="0">
+                <a:solidFill>
+                  <a:srgbClr val="0000CC"/>
+                </a:solidFill>
+              </a:rPr>
+              <a:t>=R</a:t>
+            </a:r>
+            <a:r>
+              <a:rPr lang="en-US" sz="5400" baseline="-25000" dirty="0" smtClean="0">
+                <a:solidFill>
+                  <a:srgbClr val="FF00FF"/>
+                </a:solidFill>
+              </a:rPr>
+              <a:t>2</a:t>
+            </a:r>
+            <a:r>
+              <a:rPr lang="en-US" sz="5400" dirty="0" smtClean="0">
+                <a:solidFill>
+                  <a:srgbClr val="0000CC"/>
+                </a:solidFill>
+              </a:rPr>
+              <a:t>]</a:t>
+            </a:r>
+            <a:r>
+              <a:rPr lang="en-US" sz="5400" dirty="0" smtClean="0"/>
+              <a:t>  </a:t>
+            </a:r>
+            <a:r>
+              <a:rPr lang="en-US" sz="5400" dirty="0" err="1" smtClean="0"/>
+              <a:t>indep</a:t>
+            </a:r>
+            <a:r>
+              <a:rPr lang="en-US" sz="5400" dirty="0" smtClean="0"/>
+              <a:t> of </a:t>
+            </a:r>
+            <a:r>
+              <a:rPr lang="en-US" sz="5400" dirty="0" smtClean="0">
+                <a:solidFill>
+                  <a:srgbClr val="0000CC"/>
+                </a:solidFill>
+              </a:rPr>
+              <a:t>[R</a:t>
+            </a:r>
+            <a:r>
+              <a:rPr lang="en-US" sz="5400" baseline="-25000" dirty="0" smtClean="0">
+                <a:solidFill>
+                  <a:srgbClr val="0000CC"/>
+                </a:solidFill>
+              </a:rPr>
+              <a:t>3</a:t>
+            </a:r>
+            <a:r>
+              <a:rPr lang="en-US" sz="5400" dirty="0" smtClean="0">
+                <a:solidFill>
+                  <a:srgbClr val="0000CC"/>
+                </a:solidFill>
+              </a:rPr>
+              <a:t>=R</a:t>
+            </a:r>
+            <a:r>
+              <a:rPr lang="en-US" sz="5400" baseline="-25000" dirty="0" smtClean="0">
+                <a:solidFill>
+                  <a:srgbClr val="FF00FF"/>
+                </a:solidFill>
+              </a:rPr>
+              <a:t>2</a:t>
+            </a:r>
+            <a:r>
+              <a:rPr lang="en-US" sz="5400" dirty="0" smtClean="0">
+                <a:solidFill>
+                  <a:srgbClr val="0000CC"/>
+                </a:solidFill>
+              </a:rPr>
+              <a:t>] </a:t>
+            </a:r>
+            <a:r>
+              <a:rPr lang="en-US" sz="5400" dirty="0" smtClean="0"/>
+              <a:t>?</a:t>
+            </a:r>
+          </a:p>
+          <a:p>
+            <a:r>
+              <a:rPr lang="en-US" sz="6000" dirty="0" smtClean="0">
+                <a:solidFill>
+                  <a:srgbClr val="006600"/>
+                </a:solidFill>
+                <a:cs typeface="Comic Sans MS"/>
+              </a:rPr>
+              <a:t>YES </a:t>
+            </a:r>
+            <a:r>
+              <a:rPr lang="en-US" sz="6000" dirty="0" smtClean="0">
+                <a:solidFill>
+                  <a:schemeClr val="tx2"/>
+                </a:solidFill>
+                <a:cs typeface="Comic Sans MS"/>
+              </a:rPr>
+              <a:t>as long as one of</a:t>
+            </a:r>
+          </a:p>
+          <a:p>
+            <a:r>
+              <a:rPr lang="en-US" sz="6000" dirty="0" smtClean="0">
+                <a:solidFill>
+                  <a:schemeClr val="tx2"/>
+                </a:solidFill>
+                <a:cs typeface="Comic Sans MS"/>
+              </a:rPr>
+              <a:t>the </a:t>
+            </a:r>
+            <a:r>
+              <a:rPr lang="en-US" sz="6000" dirty="0" err="1" smtClean="0">
+                <a:solidFill>
+                  <a:srgbClr val="0000FF"/>
+                </a:solidFill>
+                <a:cs typeface="Comic Sans MS"/>
+              </a:rPr>
+              <a:t>R</a:t>
+            </a:r>
+            <a:r>
+              <a:rPr lang="en-US" sz="6000" baseline="-25000" dirty="0" err="1" smtClean="0">
+                <a:solidFill>
+                  <a:srgbClr val="0000FF"/>
+                </a:solidFill>
+                <a:cs typeface="Comic Sans MS"/>
+              </a:rPr>
+              <a:t>i</a:t>
+            </a:r>
+            <a:r>
+              <a:rPr lang="en-US" sz="6000" dirty="0" err="1" smtClean="0">
+                <a:solidFill>
+                  <a:srgbClr val="000000"/>
+                </a:solidFill>
+                <a:cs typeface="Comic Sans MS"/>
+              </a:rPr>
+              <a:t>’s</a:t>
+            </a:r>
+            <a:r>
+              <a:rPr lang="en-US" sz="6000" dirty="0" smtClean="0">
+                <a:cs typeface="Comic Sans MS"/>
+              </a:rPr>
+              <a:t> is </a:t>
+            </a:r>
+            <a:r>
+              <a:rPr lang="en-US" sz="6000" dirty="0" smtClean="0">
+                <a:solidFill>
+                  <a:srgbClr val="FF00FF"/>
+                </a:solidFill>
+                <a:cs typeface="Comic Sans MS"/>
+              </a:rPr>
+              <a:t>uniform</a:t>
+            </a:r>
+            <a:endParaRPr lang="en-US" sz="6000" dirty="0" smtClean="0"/>
+          </a:p>
+        </p:txBody>
+      </p:sp>
+      <p:sp>
+        <p:nvSpPr>
+          <p:cNvPr id="4" name="Slide Number Placeholder 3"/>
+          <p:cNvSpPr>
+            <a:spLocks noGrp="1"/>
+          </p:cNvSpPr>
+          <p:nvPr>
+            <p:ph type="sldNum" sz="quarter" idx="4294967295"/>
+          </p:nvPr>
+        </p:nvSpPr>
+        <p:spPr>
+          <a:xfrm>
+            <a:off x="7950194" y="6600092"/>
+            <a:ext cx="1125415" cy="257907"/>
+          </a:xfrm>
+          <a:prstGeom prst="rect">
+            <a:avLst/>
+          </a:prstGeom>
+        </p:spPr>
+        <p:txBody>
+          <a:bodyPr/>
+          <a:lstStyle/>
+          <a:p>
+            <a:pPr>
+              <a:defRPr/>
+            </a:pPr>
+            <a:r>
+              <a:rPr lang="en-US" sz="1200" dirty="0" err="1" smtClean="0">
+                <a:latin typeface="Comic Sans MS"/>
+                <a:cs typeface="Comic Sans MS"/>
+              </a:rPr>
+              <a:t>lec</a:t>
+            </a:r>
+            <a:r>
+              <a:rPr lang="en-US" sz="1200" dirty="0" smtClean="0">
+                <a:latin typeface="Comic Sans MS"/>
+                <a:cs typeface="Comic Sans MS"/>
+              </a:rPr>
+              <a:t> 12W.</a:t>
+            </a:r>
+            <a:fld id="{679D5B46-281B-48C5-ADB5-CFE0495CD191}" type="slidenum">
+              <a:rPr lang="en-US" sz="1200" smtClean="0">
+                <a:latin typeface="Comic Sans MS"/>
+                <a:cs typeface="Comic Sans MS"/>
+              </a:rPr>
+              <a:pPr>
+                <a:defRPr/>
+              </a:pPr>
+              <a:t>41</a:t>
             </a:fld>
             <a:endParaRPr lang="en-US" sz="1200" dirty="0">
               <a:latin typeface="Comic Sans MS"/>
@@ -23772,7 +24121,7 @@
 </p:sld>
 </file>
 
-<file path=ppt/slides/slide41.xml><?xml version="1.0" encoding="utf-8"?>
+<file path=ppt/slides/slide42.xml><?xml version="1.0" encoding="utf-8"?>
 <p:sld xmlns:a="http://schemas.openxmlformats.org/drawingml/2006/main" xmlns:r="http://schemas.openxmlformats.org/officeDocument/2006/relationships" xmlns:mc="http://schemas.openxmlformats.org/markup-compatibility/2006" xmlns:mv="urn:schemas-microsoft-com:mac:vml" xmlns:p="http://schemas.openxmlformats.org/presentationml/2006/main" mc:Ignorable="mv" mc:PreserveAttributes="mv:*">
   <p:cSld>
     <p:spTree>
@@ -24237,7 +24586,7 @@
               <a:pPr>
                 <a:defRPr/>
               </a:pPr>
-              <a:t>41</a:t>
+              <a:t>42</a:t>
             </a:fld>
             <a:endParaRPr lang="en-US" sz="1200" dirty="0">
               <a:latin typeface="Comic Sans MS"/>
@@ -24351,7 +24700,7 @@
 </p:sld>
 </file>
 
-<file path=ppt/slides/slide42.xml><?xml version="1.0" encoding="utf-8"?>
+<file path=ppt/slides/slide43.xml><?xml version="1.0" encoding="utf-8"?>
 <p:sld xmlns:a="http://schemas.openxmlformats.org/drawingml/2006/main" xmlns:r="http://schemas.openxmlformats.org/officeDocument/2006/relationships" xmlns:mc="http://schemas.openxmlformats.org/markup-compatibility/2006" xmlns:mv="urn:schemas-microsoft-com:mac:vml" xmlns:p="http://schemas.openxmlformats.org/presentationml/2006/main" mc:Ignorable="mv" mc:PreserveAttributes="mv:*">
   <p:cSld>
     <p:spTree>
@@ -24656,7 +25005,7 @@
               <a:pPr>
                 <a:defRPr/>
               </a:pPr>
-              <a:t>42</a:t>
+              <a:t>43</a:t>
             </a:fld>
             <a:endParaRPr lang="en-US" sz="1200" dirty="0">
               <a:latin typeface="Comic Sans MS"/>
@@ -24822,7 +25171,7 @@
 </p:sld>
 </file>
 
-<file path=ppt/slides/slide43.xml><?xml version="1.0" encoding="utf-8"?>
+<file path=ppt/slides/slide44.xml><?xml version="1.0" encoding="utf-8"?>
 <p:sld xmlns:a="http://schemas.openxmlformats.org/drawingml/2006/main" xmlns:r="http://schemas.openxmlformats.org/officeDocument/2006/relationships" xmlns:mc="http://schemas.openxmlformats.org/markup-compatibility/2006" xmlns:mv="urn:schemas-microsoft-com:mac:vml" xmlns:p="http://schemas.openxmlformats.org/presentationml/2006/main" mc:Ignorable="mv" mc:PreserveAttributes="mv:*">
   <p:cSld>
     <p:spTree>
@@ -24870,7 +25219,7 @@
               <a:pPr>
                 <a:defRPr/>
               </a:pPr>
-              <a:t>43</a:t>
+              <a:t>44</a:t>
             </a:fld>
             <a:endParaRPr lang="en-US" dirty="0"/>
           </a:p>
